--- a/Datathon.pptx
+++ b/Datathon.pptx
@@ -6,13 +6,14 @@
   </p:sldMasterIdLst>
   <p:sldIdLst>
     <p:sldId id="256" r:id="rId2"/>
-    <p:sldId id="257" r:id="rId3"/>
-    <p:sldId id="259" r:id="rId4"/>
-    <p:sldId id="260" r:id="rId5"/>
-    <p:sldId id="258" r:id="rId6"/>
-    <p:sldId id="261" r:id="rId7"/>
-    <p:sldId id="262" r:id="rId8"/>
-    <p:sldId id="263" r:id="rId9"/>
+    <p:sldId id="264" r:id="rId3"/>
+    <p:sldId id="257" r:id="rId4"/>
+    <p:sldId id="259" r:id="rId5"/>
+    <p:sldId id="260" r:id="rId6"/>
+    <p:sldId id="258" r:id="rId7"/>
+    <p:sldId id="261" r:id="rId8"/>
+    <p:sldId id="262" r:id="rId9"/>
+    <p:sldId id="263" r:id="rId10"/>
   </p:sldIdLst>
   <p:sldSz cx="12192000" cy="6858000"/>
   <p:notesSz cx="6858000" cy="9144000"/>
@@ -111,6 +112,11 @@
       </a:defRPr>
     </a:lvl9pPr>
   </p:defaultTextStyle>
+  <p:extLst>
+    <p:ext uri="{EFAFB233-063F-42B5-8137-9DF3F51BA10A}">
+      <p15:sldGuideLst xmlns:p15="http://schemas.microsoft.com/office/powerpoint/2012/main"/>
+    </p:ext>
+  </p:extLst>
 </p:presentation>
 </file>
 
@@ -3367,18 +3373,38 @@
         </p:nvSpPr>
         <p:spPr/>
         <p:txBody>
-          <a:bodyPr/>
+          <a:bodyPr>
+            <a:normAutofit/>
+          </a:bodyPr>
           <a:lstStyle/>
           <a:p>
             <a:r>
               <a:rPr lang="en-US" dirty="0"/>
-              <a:t>Walmart </a:t>
+              <a:t>TAMU </a:t>
             </a:r>
             <a:r>
               <a:rPr lang="en-US" dirty="0" err="1"/>
               <a:t>Datathon</a:t>
             </a:r>
-            <a:endParaRPr lang="en-GB" dirty="0"/>
+            <a:br>
+              <a:rPr lang="en-US" dirty="0"/>
+            </a:br>
+            <a:r>
+              <a:rPr lang="en-US" sz="4000" dirty="0"/>
+              <a:t>Walmart Technology</a:t>
+            </a:r>
+            <a:br>
+              <a:rPr lang="en-US" dirty="0"/>
+            </a:br>
+            <a:r>
+              <a:rPr lang="en-US" sz="2800" b="1" dirty="0"/>
+              <a:t>Team name: </a:t>
+            </a:r>
+            <a:r>
+              <a:rPr lang="en-US" sz="2800" b="1" dirty="0" err="1"/>
+              <a:t>AutoPath</a:t>
+            </a:r>
+            <a:endParaRPr lang="en-GB" sz="2800" dirty="0"/>
           </a:p>
         </p:txBody>
       </p:sp>
@@ -3398,28 +3424,80 @@
             <p:ph type="subTitle" idx="1"/>
           </p:nvPr>
         </p:nvSpPr>
-        <p:spPr/>
-        <p:txBody>
-          <a:bodyPr/>
-          <a:lstStyle/>
-          <a:p>
+        <p:spPr>
+          <a:xfrm>
+            <a:off x="1524000" y="4067266"/>
+            <a:ext cx="9144000" cy="1655762"/>
+          </a:xfrm>
+        </p:spPr>
+        <p:txBody>
+          <a:bodyPr>
+            <a:normAutofit lnSpcReduction="10000"/>
+          </a:bodyPr>
+          <a:lstStyle/>
+          <a:p>
+            <a:r>
+              <a:rPr lang="en-US" dirty="0"/>
+              <a:t>Yuhao Wang: </a:t>
+            </a:r>
             <a:r>
               <a:rPr lang="en-US" dirty="0" err="1"/>
-              <a:t>Yuhao</a:t>
+              <a:t>Ph.D</a:t>
             </a:r>
             <a:r>
               <a:rPr lang="en-US" dirty="0"/>
-              <a:t> Wang, Yu Liu, Xueqin Huang, </a:t>
-            </a:r>
+              <a:t> student, Mechanical Engineering, TAMU;</a:t>
+            </a:r>
+          </a:p>
+          <a:p>
+            <a:r>
+              <a:rPr lang="en-US" dirty="0" err="1"/>
+              <a:t>Xueqin</a:t>
+            </a:r>
+            <a:r>
+              <a:rPr lang="en-US" dirty="0"/>
+              <a:t> Huang: </a:t>
+            </a:r>
+            <a:r>
+              <a:rPr lang="en-US" dirty="0" err="1"/>
+              <a:t>Ph.D</a:t>
+            </a:r>
+            <a:r>
+              <a:rPr lang="en-US" dirty="0"/>
+              <a:t> student, Materials Science, TAMU;</a:t>
+            </a:r>
+          </a:p>
+          <a:p>
+            <a:r>
+              <a:rPr lang="en-US" dirty="0"/>
+              <a:t>Yu Liu: </a:t>
+            </a:r>
+            <a:r>
+              <a:rPr lang="en-US" dirty="0" err="1"/>
+              <a:t>Ph.D</a:t>
+            </a:r>
+            <a:r>
+              <a:rPr lang="en-US" dirty="0"/>
+              <a:t> student, Materials Science, TAMU;</a:t>
+            </a:r>
+          </a:p>
+          <a:p>
             <a:r>
               <a:rPr lang="en-US" dirty="0" err="1"/>
               <a:t>Quyuan</a:t>
             </a:r>
             <a:r>
               <a:rPr lang="en-US" dirty="0"/>
-              <a:t> Lin</a:t>
-            </a:r>
-            <a:endParaRPr lang="en-GB" dirty="0"/>
+              <a:t> Lin: </a:t>
+            </a:r>
+            <a:r>
+              <a:rPr lang="en-US" dirty="0" err="1"/>
+              <a:t>Ph.D</a:t>
+            </a:r>
+            <a:r>
+              <a:rPr lang="en-US" dirty="0"/>
+              <a:t> student, Mathematics, TAMU.</a:t>
+            </a:r>
           </a:p>
         </p:txBody>
       </p:sp>
@@ -3458,6 +3536,113 @@
           <p:cNvPr id="2" name="Title 1">
             <a:extLst>
               <a:ext uri="{FF2B5EF4-FFF2-40B4-BE49-F238E27FC236}">
+                <a16:creationId xmlns:a16="http://schemas.microsoft.com/office/drawing/2014/main" id="{4F00299F-9864-4A8A-BE34-0EB58B3D4B6F}"/>
+              </a:ext>
+            </a:extLst>
+          </p:cNvPr>
+          <p:cNvSpPr>
+            <a:spLocks noGrp="1"/>
+          </p:cNvSpPr>
+          <p:nvPr>
+            <p:ph type="title"/>
+          </p:nvPr>
+        </p:nvSpPr>
+        <p:spPr/>
+        <p:txBody>
+          <a:bodyPr/>
+          <a:lstStyle/>
+          <a:p>
+            <a:r>
+              <a:rPr lang="en-US" dirty="0"/>
+              <a:t>Task</a:t>
+            </a:r>
+          </a:p>
+        </p:txBody>
+      </p:sp>
+      <p:pic>
+        <p:nvPicPr>
+          <p:cNvPr id="1026" name="Picture 2">
+            <a:extLst>
+              <a:ext uri="{FF2B5EF4-FFF2-40B4-BE49-F238E27FC236}">
+                <a16:creationId xmlns:a16="http://schemas.microsoft.com/office/drawing/2014/main" id="{4C083C9B-4E01-45A0-B71E-A54965C44DA2}"/>
+              </a:ext>
+            </a:extLst>
+          </p:cNvPr>
+          <p:cNvPicPr>
+            <a:picLocks noGrp="1" noChangeAspect="1" noChangeArrowheads="1"/>
+          </p:cNvPicPr>
+          <p:nvPr>
+            <p:ph idx="1"/>
+          </p:nvPr>
+        </p:nvPicPr>
+        <p:blipFill>
+          <a:blip r:embed="rId2">
+            <a:extLst>
+              <a:ext uri="{28A0092B-C50C-407E-A947-70E740481C1C}">
+                <a14:useLocalDpi xmlns:a14="http://schemas.microsoft.com/office/drawing/2010/main" val="0"/>
+              </a:ext>
+            </a:extLst>
+          </a:blip>
+          <a:srcRect/>
+          <a:stretch>
+            <a:fillRect/>
+          </a:stretch>
+        </p:blipFill>
+        <p:spPr bwMode="auto">
+          <a:xfrm>
+            <a:off x="1923678" y="1547328"/>
+            <a:ext cx="8067458" cy="4893227"/>
+          </a:xfrm>
+          <a:prstGeom prst="rect">
+            <a:avLst/>
+          </a:prstGeom>
+          <a:noFill/>
+          <a:extLst>
+            <a:ext uri="{909E8E84-426E-40DD-AFC4-6F175D3DCCD1}">
+              <a14:hiddenFill xmlns:a14="http://schemas.microsoft.com/office/drawing/2010/main">
+                <a:solidFill>
+                  <a:srgbClr val="FFFFFF"/>
+                </a:solidFill>
+              </a14:hiddenFill>
+            </a:ext>
+          </a:extLst>
+        </p:spPr>
+      </p:pic>
+    </p:spTree>
+    <p:extLst>
+      <p:ext uri="{BB962C8B-B14F-4D97-AF65-F5344CB8AC3E}">
+        <p14:creationId xmlns:p14="http://schemas.microsoft.com/office/powerpoint/2010/main" val="1056770342"/>
+      </p:ext>
+    </p:extLst>
+  </p:cSld>
+  <p:clrMapOvr>
+    <a:masterClrMapping/>
+  </p:clrMapOvr>
+</p:sld>
+</file>
+
+<file path=ppt/slides/slide3.xml><?xml version="1.0" encoding="utf-8"?>
+<p:sld xmlns:a="http://schemas.openxmlformats.org/drawingml/2006/main" xmlns:r="http://schemas.openxmlformats.org/officeDocument/2006/relationships" xmlns:p="http://schemas.openxmlformats.org/presentationml/2006/main">
+  <p:cSld>
+    <p:spTree>
+      <p:nvGrpSpPr>
+        <p:cNvPr id="1" name=""/>
+        <p:cNvGrpSpPr/>
+        <p:nvPr/>
+      </p:nvGrpSpPr>
+      <p:grpSpPr>
+        <a:xfrm>
+          <a:off x="0" y="0"/>
+          <a:ext cx="0" cy="0"/>
+          <a:chOff x="0" y="0"/>
+          <a:chExt cx="0" cy="0"/>
+        </a:xfrm>
+      </p:grpSpPr>
+      <p:sp>
+        <p:nvSpPr>
+          <p:cNvPr id="2" name="Title 1">
+            <a:extLst>
+              <a:ext uri="{FF2B5EF4-FFF2-40B4-BE49-F238E27FC236}">
                 <a16:creationId xmlns:a16="http://schemas.microsoft.com/office/drawing/2014/main" id="{66542E94-9338-46F6-A681-FE5BF1530498}"/>
               </a:ext>
             </a:extLst>
@@ -3538,7 +3723,7 @@
 </p:sld>
 </file>
 
-<file path=ppt/slides/slide3.xml><?xml version="1.0" encoding="utf-8"?>
+<file path=ppt/slides/slide4.xml><?xml version="1.0" encoding="utf-8"?>
 <p:sld xmlns:a="http://schemas.openxmlformats.org/drawingml/2006/main" xmlns:r="http://schemas.openxmlformats.org/officeDocument/2006/relationships" xmlns:p="http://schemas.openxmlformats.org/presentationml/2006/main">
   <p:cSld>
     <p:spTree>
@@ -3820,7 +4005,7 @@
 </p:sld>
 </file>
 
-<file path=ppt/slides/slide4.xml><?xml version="1.0" encoding="utf-8"?>
+<file path=ppt/slides/slide5.xml><?xml version="1.0" encoding="utf-8"?>
 <p:sld xmlns:a="http://schemas.openxmlformats.org/drawingml/2006/main" xmlns:r="http://schemas.openxmlformats.org/officeDocument/2006/relationships" xmlns:p="http://schemas.openxmlformats.org/presentationml/2006/main">
   <p:cSld>
     <p:spTree>
@@ -4258,111 +4443,6 @@
 </p:sld>
 </file>
 
-<file path=ppt/slides/slide5.xml><?xml version="1.0" encoding="utf-8"?>
-<p:sld xmlns:a="http://schemas.openxmlformats.org/drawingml/2006/main" xmlns:r="http://schemas.openxmlformats.org/officeDocument/2006/relationships" xmlns:p="http://schemas.openxmlformats.org/presentationml/2006/main">
-  <p:cSld>
-    <p:spTree>
-      <p:nvGrpSpPr>
-        <p:cNvPr id="1" name=""/>
-        <p:cNvGrpSpPr/>
-        <p:nvPr/>
-      </p:nvGrpSpPr>
-      <p:grpSpPr>
-        <a:xfrm>
-          <a:off x="0" y="0"/>
-          <a:ext cx="0" cy="0"/>
-          <a:chOff x="0" y="0"/>
-          <a:chExt cx="0" cy="0"/>
-        </a:xfrm>
-      </p:grpSpPr>
-      <p:sp>
-        <p:nvSpPr>
-          <p:cNvPr id="2" name="Title 1">
-            <a:extLst>
-              <a:ext uri="{FF2B5EF4-FFF2-40B4-BE49-F238E27FC236}">
-                <a16:creationId xmlns:a16="http://schemas.microsoft.com/office/drawing/2014/main" id="{AB8C8D46-F0D6-48E5-8165-5932A17BE564}"/>
-              </a:ext>
-            </a:extLst>
-          </p:cNvPr>
-          <p:cNvSpPr>
-            <a:spLocks noGrp="1"/>
-          </p:cNvSpPr>
-          <p:nvPr>
-            <p:ph type="title"/>
-          </p:nvPr>
-        </p:nvSpPr>
-        <p:spPr/>
-        <p:txBody>
-          <a:bodyPr/>
-          <a:lstStyle/>
-          <a:p>
-            <a:r>
-              <a:rPr lang="en-US" dirty="0"/>
-              <a:t>Approximation Method</a:t>
-            </a:r>
-            <a:endParaRPr lang="en-GB" dirty="0"/>
-          </a:p>
-        </p:txBody>
-      </p:sp>
-      <p:sp>
-        <p:nvSpPr>
-          <p:cNvPr id="3" name="Content Placeholder 2">
-            <a:extLst>
-              <a:ext uri="{FF2B5EF4-FFF2-40B4-BE49-F238E27FC236}">
-                <a16:creationId xmlns:a16="http://schemas.microsoft.com/office/drawing/2014/main" id="{85DA96EF-99E1-441B-913E-0D952DC127A7}"/>
-              </a:ext>
-            </a:extLst>
-          </p:cNvPr>
-          <p:cNvSpPr>
-            <a:spLocks noGrp="1"/>
-          </p:cNvSpPr>
-          <p:nvPr>
-            <p:ph idx="1"/>
-          </p:nvPr>
-        </p:nvSpPr>
-        <p:spPr/>
-        <p:txBody>
-          <a:bodyPr/>
-          <a:lstStyle/>
-          <a:p>
-            <a:r>
-              <a:rPr lang="en-US" dirty="0"/>
-              <a:t>Using geometry distance to simplify the problem by finding the shortest distance path first</a:t>
-            </a:r>
-          </a:p>
-          <a:p>
-            <a:r>
-              <a:rPr lang="en-US" dirty="0"/>
-              <a:t>Using two points Dijkstra to find the minimal weighted path to iterate the target points in previous order.</a:t>
-            </a:r>
-          </a:p>
-          <a:p>
-            <a:r>
-              <a:rPr lang="en-US" dirty="0"/>
-              <a:t>In the Dijkstra Process, we ignore the far away boundary pixels points to consider the information condensed parts.</a:t>
-            </a:r>
-          </a:p>
-          <a:p>
-            <a:pPr marL="0" indent="0">
-              <a:buNone/>
-            </a:pPr>
-            <a:endParaRPr lang="en-GB" dirty="0"/>
-          </a:p>
-        </p:txBody>
-      </p:sp>
-    </p:spTree>
-    <p:extLst>
-      <p:ext uri="{BB962C8B-B14F-4D97-AF65-F5344CB8AC3E}">
-        <p14:creationId xmlns:p14="http://schemas.microsoft.com/office/powerpoint/2010/main" val="993862231"/>
-      </p:ext>
-    </p:extLst>
-  </p:cSld>
-  <p:clrMapOvr>
-    <a:masterClrMapping/>
-  </p:clrMapOvr>
-</p:sld>
-</file>
-
 <file path=ppt/slides/slide6.xml><?xml version="1.0" encoding="utf-8"?>
 <p:sld xmlns:a="http://schemas.openxmlformats.org/drawingml/2006/main" xmlns:r="http://schemas.openxmlformats.org/officeDocument/2006/relationships" xmlns:p="http://schemas.openxmlformats.org/presentationml/2006/main">
   <p:cSld>
@@ -4380,177 +4460,30 @@
           <a:chExt cx="0" cy="0"/>
         </a:xfrm>
       </p:grpSpPr>
-      <p:pic>
-        <p:nvPicPr>
-          <p:cNvPr id="2" name="Picture 1">
-            <a:extLst>
-              <a:ext uri="{FF2B5EF4-FFF2-40B4-BE49-F238E27FC236}">
-                <a16:creationId xmlns:a16="http://schemas.microsoft.com/office/drawing/2014/main" id="{7529D394-C78A-4B65-B5E7-701D4D2A83D4}"/>
-              </a:ext>
-            </a:extLst>
-          </p:cNvPr>
-          <p:cNvPicPr>
-            <a:picLocks noChangeAspect="1"/>
-          </p:cNvPicPr>
-          <p:nvPr/>
-        </p:nvPicPr>
-        <p:blipFill rotWithShape="1">
-          <a:blip r:embed="rId2">
-            <a:extLst>
-              <a:ext uri="{28A0092B-C50C-407E-A947-70E740481C1C}">
-                <a14:useLocalDpi xmlns:a14="http://schemas.microsoft.com/office/drawing/2010/main" val="0"/>
-              </a:ext>
-            </a:extLst>
-          </a:blip>
-          <a:srcRect t="3862"/>
-          <a:stretch/>
-        </p:blipFill>
-        <p:spPr>
-          <a:xfrm>
-            <a:off x="1458267" y="1727999"/>
-            <a:ext cx="8411768" cy="4905027"/>
-          </a:xfrm>
-          <a:prstGeom prst="rect">
-            <a:avLst/>
-          </a:prstGeom>
-        </p:spPr>
-      </p:pic>
-      <p:sp>
-        <p:nvSpPr>
-          <p:cNvPr id="3" name="TextBox 2">
-            <a:extLst>
-              <a:ext uri="{FF2B5EF4-FFF2-40B4-BE49-F238E27FC236}">
-                <a16:creationId xmlns:a16="http://schemas.microsoft.com/office/drawing/2014/main" id="{FFE9C527-D185-43A4-A81D-F4AED91DA52B}"/>
-              </a:ext>
-            </a:extLst>
-          </p:cNvPr>
-          <p:cNvSpPr txBox="1"/>
-          <p:nvPr/>
-        </p:nvSpPr>
-        <p:spPr>
-          <a:xfrm>
-            <a:off x="2419200" y="5320800"/>
-            <a:ext cx="802399" cy="369332"/>
-          </a:xfrm>
-          <a:prstGeom prst="rect">
-            <a:avLst/>
-          </a:prstGeom>
-          <a:noFill/>
-        </p:spPr>
-        <p:txBody>
-          <a:bodyPr wrap="none" rtlCol="0">
-            <a:spAutoFit/>
-          </a:bodyPr>
-          <a:lstStyle/>
-          <a:p>
-            <a:r>
-              <a:rPr lang="en-US" b="1" dirty="0">
-                <a:solidFill>
-                  <a:srgbClr val="FF0000"/>
-                </a:solidFill>
-              </a:rPr>
-              <a:t>Point1</a:t>
-            </a:r>
-            <a:endParaRPr lang="en-GB" b="1" dirty="0">
-              <a:solidFill>
-                <a:srgbClr val="FF0000"/>
-              </a:solidFill>
-            </a:endParaRPr>
-          </a:p>
-        </p:txBody>
-      </p:sp>
-      <p:sp>
-        <p:nvSpPr>
-          <p:cNvPr id="4" name="TextBox 3">
-            <a:extLst>
-              <a:ext uri="{FF2B5EF4-FFF2-40B4-BE49-F238E27FC236}">
-                <a16:creationId xmlns:a16="http://schemas.microsoft.com/office/drawing/2014/main" id="{9066A672-A89F-4131-B357-50FA760C2150}"/>
-              </a:ext>
-            </a:extLst>
-          </p:cNvPr>
-          <p:cNvSpPr txBox="1"/>
-          <p:nvPr/>
-        </p:nvSpPr>
-        <p:spPr>
-          <a:xfrm>
-            <a:off x="3838800" y="3270000"/>
-            <a:ext cx="802399" cy="369332"/>
-          </a:xfrm>
-          <a:prstGeom prst="rect">
-            <a:avLst/>
-          </a:prstGeom>
-          <a:noFill/>
-        </p:spPr>
-        <p:txBody>
-          <a:bodyPr wrap="none" rtlCol="0">
-            <a:spAutoFit/>
-          </a:bodyPr>
-          <a:lstStyle/>
-          <a:p>
-            <a:r>
-              <a:rPr lang="en-US" b="1" dirty="0">
-                <a:solidFill>
-                  <a:srgbClr val="FF0000"/>
-                </a:solidFill>
-              </a:rPr>
-              <a:t>Point2</a:t>
-            </a:r>
-            <a:endParaRPr lang="en-GB" b="1" dirty="0">
-              <a:solidFill>
-                <a:srgbClr val="FF0000"/>
-              </a:solidFill>
-            </a:endParaRPr>
-          </a:p>
-        </p:txBody>
-      </p:sp>
-      <p:sp>
-        <p:nvSpPr>
-          <p:cNvPr id="5" name="Title 1">
-            <a:extLst>
-              <a:ext uri="{FF2B5EF4-FFF2-40B4-BE49-F238E27FC236}">
-                <a16:creationId xmlns:a16="http://schemas.microsoft.com/office/drawing/2014/main" id="{3DEDF7C9-7E7B-4C3E-8FE8-07452A49105E}"/>
-              </a:ext>
-            </a:extLst>
-          </p:cNvPr>
-          <p:cNvSpPr txBox="1">
-            <a:spLocks/>
-          </p:cNvSpPr>
-          <p:nvPr/>
-        </p:nvSpPr>
-        <p:spPr>
-          <a:xfrm>
-            <a:off x="521400" y="310210"/>
-            <a:ext cx="10515600" cy="815675"/>
-          </a:xfrm>
-          <a:prstGeom prst="rect">
-            <a:avLst/>
-          </a:prstGeom>
-        </p:spPr>
-        <p:txBody>
-          <a:bodyPr/>
-          <a:lstStyle>
-            <a:lvl1pPr algn="l" defTabSz="914400" rtl="0" eaLnBrk="1" latinLnBrk="0" hangingPunct="1">
-              <a:lnSpc>
-                <a:spcPct val="90000"/>
-              </a:lnSpc>
-              <a:spcBef>
-                <a:spcPct val="0"/>
-              </a:spcBef>
-              <a:buNone/>
-              <a:defRPr sz="4400" kern="1200">
-                <a:solidFill>
-                  <a:schemeClr val="tx1"/>
-                </a:solidFill>
-                <a:latin typeface="+mj-lt"/>
-                <a:ea typeface="+mj-ea"/>
-                <a:cs typeface="+mj-cs"/>
-              </a:defRPr>
-            </a:lvl1pPr>
-          </a:lstStyle>
+      <p:sp>
+        <p:nvSpPr>
+          <p:cNvPr id="2" name="Title 1">
+            <a:extLst>
+              <a:ext uri="{FF2B5EF4-FFF2-40B4-BE49-F238E27FC236}">
+                <a16:creationId xmlns:a16="http://schemas.microsoft.com/office/drawing/2014/main" id="{AB8C8D46-F0D6-48E5-8165-5932A17BE564}"/>
+              </a:ext>
+            </a:extLst>
+          </p:cNvPr>
+          <p:cNvSpPr>
+            <a:spLocks noGrp="1"/>
+          </p:cNvSpPr>
+          <p:nvPr>
+            <p:ph type="title"/>
+          </p:nvPr>
+        </p:nvSpPr>
+        <p:spPr/>
+        <p:txBody>
+          <a:bodyPr/>
+          <a:lstStyle/>
           <a:p>
             <a:r>
               <a:rPr lang="en-US" dirty="0"/>
-              <a:t>Results</a:t>
+              <a:t>Approximation Method</a:t>
             </a:r>
             <a:endParaRPr lang="en-GB" dirty="0"/>
           </a:p>
@@ -4558,46 +4491,54 @@
       </p:sp>
       <p:sp>
         <p:nvSpPr>
-          <p:cNvPr id="6" name="Rectangle 5">
-            <a:extLst>
-              <a:ext uri="{FF2B5EF4-FFF2-40B4-BE49-F238E27FC236}">
-                <a16:creationId xmlns:a16="http://schemas.microsoft.com/office/drawing/2014/main" id="{4489A6EF-2AD6-4BB2-94A5-CA52CA040EC0}"/>
-              </a:ext>
-            </a:extLst>
-          </p:cNvPr>
-          <p:cNvSpPr/>
-          <p:nvPr/>
-        </p:nvSpPr>
-        <p:spPr>
-          <a:xfrm>
-            <a:off x="615999" y="1125885"/>
-            <a:ext cx="7248000" cy="369332"/>
-          </a:xfrm>
-          <a:prstGeom prst="rect">
-            <a:avLst/>
-          </a:prstGeom>
-        </p:spPr>
-        <p:txBody>
-          <a:bodyPr wrap="square">
-            <a:spAutoFit/>
-          </a:bodyPr>
-          <a:lstStyle/>
-          <a:p>
-            <a:pPr marL="285750" indent="-285750">
-              <a:buFont typeface="Arial" panose="020B0604020202020204" pitchFamily="34" charset="0"/>
-              <a:buChar char="•"/>
+          <p:cNvPr id="3" name="Content Placeholder 2">
+            <a:extLst>
+              <a:ext uri="{FF2B5EF4-FFF2-40B4-BE49-F238E27FC236}">
+                <a16:creationId xmlns:a16="http://schemas.microsoft.com/office/drawing/2014/main" id="{85DA96EF-99E1-441B-913E-0D952DC127A7}"/>
+              </a:ext>
+            </a:extLst>
+          </p:cNvPr>
+          <p:cNvSpPr>
+            <a:spLocks noGrp="1"/>
+          </p:cNvSpPr>
+          <p:nvPr>
+            <p:ph idx="1"/>
+          </p:nvPr>
+        </p:nvSpPr>
+        <p:spPr/>
+        <p:txBody>
+          <a:bodyPr/>
+          <a:lstStyle/>
+          <a:p>
+            <a:r>
+              <a:rPr lang="en-US" dirty="0"/>
+              <a:t>Using geometry distance to simplify the problem by finding the shortest distance path first</a:t>
+            </a:r>
+          </a:p>
+          <a:p>
+            <a:r>
+              <a:rPr lang="en-US" dirty="0"/>
+              <a:t>Using two points Dijkstra to find the minimal weighted path to iterate the target points in previous order.</a:t>
+            </a:r>
+          </a:p>
+          <a:p>
+            <a:r>
+              <a:rPr lang="en-US" dirty="0"/>
+              <a:t>In the Dijkstra Process, we ignore the far away boundary pixels points to consider the information condensed parts.</a:t>
+            </a:r>
+          </a:p>
+          <a:p>
+            <a:pPr marL="0" indent="0">
+              <a:buNone/>
             </a:pPr>
-            <a:r>
-              <a:rPr lang="en-US" dirty="0"/>
-              <a:t>Simple example of lowest weighted path between two points</a:t>
-            </a:r>
+            <a:endParaRPr lang="en-GB" dirty="0"/>
           </a:p>
         </p:txBody>
       </p:sp>
     </p:spTree>
     <p:extLst>
       <p:ext uri="{BB962C8B-B14F-4D97-AF65-F5344CB8AC3E}">
-        <p14:creationId xmlns:p14="http://schemas.microsoft.com/office/powerpoint/2010/main" val="386356143"/>
+        <p14:creationId xmlns:p14="http://schemas.microsoft.com/office/powerpoint/2010/main" val="993862231"/>
       </p:ext>
     </p:extLst>
   </p:cSld>
@@ -4624,6 +4565,250 @@
           <a:chExt cx="0" cy="0"/>
         </a:xfrm>
       </p:grpSpPr>
+      <p:pic>
+        <p:nvPicPr>
+          <p:cNvPr id="2" name="Picture 1">
+            <a:extLst>
+              <a:ext uri="{FF2B5EF4-FFF2-40B4-BE49-F238E27FC236}">
+                <a16:creationId xmlns:a16="http://schemas.microsoft.com/office/drawing/2014/main" id="{7529D394-C78A-4B65-B5E7-701D4D2A83D4}"/>
+              </a:ext>
+            </a:extLst>
+          </p:cNvPr>
+          <p:cNvPicPr>
+            <a:picLocks noChangeAspect="1"/>
+          </p:cNvPicPr>
+          <p:nvPr/>
+        </p:nvPicPr>
+        <p:blipFill rotWithShape="1">
+          <a:blip r:embed="rId2">
+            <a:extLst>
+              <a:ext uri="{28A0092B-C50C-407E-A947-70E740481C1C}">
+                <a14:useLocalDpi xmlns:a14="http://schemas.microsoft.com/office/drawing/2010/main" val="0"/>
+              </a:ext>
+            </a:extLst>
+          </a:blip>
+          <a:srcRect t="3862"/>
+          <a:stretch/>
+        </p:blipFill>
+        <p:spPr>
+          <a:xfrm>
+            <a:off x="1458267" y="1727999"/>
+            <a:ext cx="8411768" cy="4905027"/>
+          </a:xfrm>
+          <a:prstGeom prst="rect">
+            <a:avLst/>
+          </a:prstGeom>
+        </p:spPr>
+      </p:pic>
+      <p:sp>
+        <p:nvSpPr>
+          <p:cNvPr id="3" name="TextBox 2">
+            <a:extLst>
+              <a:ext uri="{FF2B5EF4-FFF2-40B4-BE49-F238E27FC236}">
+                <a16:creationId xmlns:a16="http://schemas.microsoft.com/office/drawing/2014/main" id="{FFE9C527-D185-43A4-A81D-F4AED91DA52B}"/>
+              </a:ext>
+            </a:extLst>
+          </p:cNvPr>
+          <p:cNvSpPr txBox="1"/>
+          <p:nvPr/>
+        </p:nvSpPr>
+        <p:spPr>
+          <a:xfrm>
+            <a:off x="2419200" y="5320800"/>
+            <a:ext cx="802399" cy="369332"/>
+          </a:xfrm>
+          <a:prstGeom prst="rect">
+            <a:avLst/>
+          </a:prstGeom>
+          <a:noFill/>
+        </p:spPr>
+        <p:txBody>
+          <a:bodyPr wrap="none" rtlCol="0">
+            <a:spAutoFit/>
+          </a:bodyPr>
+          <a:lstStyle/>
+          <a:p>
+            <a:r>
+              <a:rPr lang="en-US" b="1" dirty="0">
+                <a:solidFill>
+                  <a:srgbClr val="FF0000"/>
+                </a:solidFill>
+              </a:rPr>
+              <a:t>Point1</a:t>
+            </a:r>
+            <a:endParaRPr lang="en-GB" b="1" dirty="0">
+              <a:solidFill>
+                <a:srgbClr val="FF0000"/>
+              </a:solidFill>
+            </a:endParaRPr>
+          </a:p>
+        </p:txBody>
+      </p:sp>
+      <p:sp>
+        <p:nvSpPr>
+          <p:cNvPr id="4" name="TextBox 3">
+            <a:extLst>
+              <a:ext uri="{FF2B5EF4-FFF2-40B4-BE49-F238E27FC236}">
+                <a16:creationId xmlns:a16="http://schemas.microsoft.com/office/drawing/2014/main" id="{9066A672-A89F-4131-B357-50FA760C2150}"/>
+              </a:ext>
+            </a:extLst>
+          </p:cNvPr>
+          <p:cNvSpPr txBox="1"/>
+          <p:nvPr/>
+        </p:nvSpPr>
+        <p:spPr>
+          <a:xfrm>
+            <a:off x="3838800" y="3270000"/>
+            <a:ext cx="802399" cy="369332"/>
+          </a:xfrm>
+          <a:prstGeom prst="rect">
+            <a:avLst/>
+          </a:prstGeom>
+          <a:noFill/>
+        </p:spPr>
+        <p:txBody>
+          <a:bodyPr wrap="none" rtlCol="0">
+            <a:spAutoFit/>
+          </a:bodyPr>
+          <a:lstStyle/>
+          <a:p>
+            <a:r>
+              <a:rPr lang="en-US" b="1" dirty="0">
+                <a:solidFill>
+                  <a:srgbClr val="FF0000"/>
+                </a:solidFill>
+              </a:rPr>
+              <a:t>Point2</a:t>
+            </a:r>
+            <a:endParaRPr lang="en-GB" b="1" dirty="0">
+              <a:solidFill>
+                <a:srgbClr val="FF0000"/>
+              </a:solidFill>
+            </a:endParaRPr>
+          </a:p>
+        </p:txBody>
+      </p:sp>
+      <p:sp>
+        <p:nvSpPr>
+          <p:cNvPr id="5" name="Title 1">
+            <a:extLst>
+              <a:ext uri="{FF2B5EF4-FFF2-40B4-BE49-F238E27FC236}">
+                <a16:creationId xmlns:a16="http://schemas.microsoft.com/office/drawing/2014/main" id="{3DEDF7C9-7E7B-4C3E-8FE8-07452A49105E}"/>
+              </a:ext>
+            </a:extLst>
+          </p:cNvPr>
+          <p:cNvSpPr txBox="1">
+            <a:spLocks/>
+          </p:cNvSpPr>
+          <p:nvPr/>
+        </p:nvSpPr>
+        <p:spPr>
+          <a:xfrm>
+            <a:off x="521400" y="310210"/>
+            <a:ext cx="10515600" cy="815675"/>
+          </a:xfrm>
+          <a:prstGeom prst="rect">
+            <a:avLst/>
+          </a:prstGeom>
+        </p:spPr>
+        <p:txBody>
+          <a:bodyPr/>
+          <a:lstStyle>
+            <a:lvl1pPr algn="l" defTabSz="914400" rtl="0" eaLnBrk="1" latinLnBrk="0" hangingPunct="1">
+              <a:lnSpc>
+                <a:spcPct val="90000"/>
+              </a:lnSpc>
+              <a:spcBef>
+                <a:spcPct val="0"/>
+              </a:spcBef>
+              <a:buNone/>
+              <a:defRPr sz="4400" kern="1200">
+                <a:solidFill>
+                  <a:schemeClr val="tx1"/>
+                </a:solidFill>
+                <a:latin typeface="+mj-lt"/>
+                <a:ea typeface="+mj-ea"/>
+                <a:cs typeface="+mj-cs"/>
+              </a:defRPr>
+            </a:lvl1pPr>
+          </a:lstStyle>
+          <a:p>
+            <a:r>
+              <a:rPr lang="en-US" dirty="0"/>
+              <a:t>Results</a:t>
+            </a:r>
+            <a:endParaRPr lang="en-GB" dirty="0"/>
+          </a:p>
+        </p:txBody>
+      </p:sp>
+      <p:sp>
+        <p:nvSpPr>
+          <p:cNvPr id="6" name="Rectangle 5">
+            <a:extLst>
+              <a:ext uri="{FF2B5EF4-FFF2-40B4-BE49-F238E27FC236}">
+                <a16:creationId xmlns:a16="http://schemas.microsoft.com/office/drawing/2014/main" id="{4489A6EF-2AD6-4BB2-94A5-CA52CA040EC0}"/>
+              </a:ext>
+            </a:extLst>
+          </p:cNvPr>
+          <p:cNvSpPr/>
+          <p:nvPr/>
+        </p:nvSpPr>
+        <p:spPr>
+          <a:xfrm>
+            <a:off x="615999" y="1125885"/>
+            <a:ext cx="7248000" cy="369332"/>
+          </a:xfrm>
+          <a:prstGeom prst="rect">
+            <a:avLst/>
+          </a:prstGeom>
+        </p:spPr>
+        <p:txBody>
+          <a:bodyPr wrap="square">
+            <a:spAutoFit/>
+          </a:bodyPr>
+          <a:lstStyle/>
+          <a:p>
+            <a:pPr marL="285750" indent="-285750">
+              <a:buFont typeface="Arial" panose="020B0604020202020204" pitchFamily="34" charset="0"/>
+              <a:buChar char="•"/>
+            </a:pPr>
+            <a:r>
+              <a:rPr lang="en-US" dirty="0"/>
+              <a:t>Simple example of lowest weighted path between two points</a:t>
+            </a:r>
+          </a:p>
+        </p:txBody>
+      </p:sp>
+    </p:spTree>
+    <p:extLst>
+      <p:ext uri="{BB962C8B-B14F-4D97-AF65-F5344CB8AC3E}">
+        <p14:creationId xmlns:p14="http://schemas.microsoft.com/office/powerpoint/2010/main" val="386356143"/>
+      </p:ext>
+    </p:extLst>
+  </p:cSld>
+  <p:clrMapOvr>
+    <a:masterClrMapping/>
+  </p:clrMapOvr>
+</p:sld>
+</file>
+
+<file path=ppt/slides/slide8.xml><?xml version="1.0" encoding="utf-8"?>
+<p:sld xmlns:a="http://schemas.openxmlformats.org/drawingml/2006/main" xmlns:r="http://schemas.openxmlformats.org/officeDocument/2006/relationships" xmlns:p="http://schemas.openxmlformats.org/presentationml/2006/main">
+  <p:cSld>
+    <p:spTree>
+      <p:nvGrpSpPr>
+        <p:cNvPr id="1" name=""/>
+        <p:cNvGrpSpPr/>
+        <p:nvPr/>
+      </p:nvGrpSpPr>
+      <p:grpSpPr>
+        <a:xfrm>
+          <a:off x="0" y="0"/>
+          <a:ext cx="0" cy="0"/>
+          <a:chOff x="0" y="0"/>
+          <a:chExt cx="0" cy="0"/>
+        </a:xfrm>
+      </p:grpSpPr>
       <p:sp>
         <p:nvSpPr>
           <p:cNvPr id="2" name="Title 1">
@@ -4872,7 +5057,7 @@
 </p:sld>
 </file>
 
-<file path=ppt/slides/slide8.xml><?xml version="1.0" encoding="utf-8"?>
+<file path=ppt/slides/slide9.xml><?xml version="1.0" encoding="utf-8"?>
 <p:sld xmlns:a="http://schemas.openxmlformats.org/drawingml/2006/main" xmlns:r="http://schemas.openxmlformats.org/officeDocument/2006/relationships" xmlns:p="http://schemas.openxmlformats.org/presentationml/2006/main">
   <p:cSld>
     <p:spTree>
